--- a/module7/7-slides.pptx
+++ b/module7/7-slides.pptx
@@ -238,7 +238,7 @@
           <a:p>
             <a:fld id="{1DE1663D-3EB0-CA43-8177-81181DA69E0F}" type="datetimeFigureOut">
               <a:rPr lang="en-US" smtClean="0"/>
-              <a:t>11/17/22</a:t>
+              <a:t>4/10/2023</a:t>
             </a:fld>
             <a:endParaRPr lang="en-US"/>
           </a:p>
@@ -726,6 +726,10 @@
             </a:r>
           </a:p>
           <a:p>
+            <a:r>
+              <a:rPr lang="en-US" dirty="0"/>
+              <a:t/>
+            </a:r>
             <a:br>
               <a:rPr lang="en-US" dirty="0"/>
             </a:br>
@@ -1366,6 +1370,10 @@
             </a:r>
           </a:p>
           <a:p>
+            <a:r>
+              <a:rPr lang="en-US" dirty="0"/>
+              <a:t/>
+            </a:r>
             <a:br>
               <a:rPr lang="en-US" dirty="0"/>
             </a:br>
@@ -3162,12 +3170,12 @@
               <a:t>With simulation, we were generating a new random sample each time. i.e., we </a:t>
             </a:r>
             <a:r>
-              <a:rPr lang="en-US" dirty="0" err="1"/>
-              <a:t>mimick</a:t>
+              <a:rPr lang="en-US" dirty="0" smtClean="0"/>
+              <a:t>mimic </a:t>
             </a:r>
             <a:r>
               <a:rPr lang="en-US" dirty="0"/>
-              <a:t> being able to go back to the field and collect another sample.</a:t>
+              <a:t>being able to go back to the field and collect another sample.</a:t>
             </a:r>
           </a:p>
           <a:p>
@@ -3320,12 +3328,12 @@
               <a:t>With simulation, we were generating a new random sample each time. i.e., we </a:t>
             </a:r>
             <a:r>
-              <a:rPr lang="en-US" dirty="0" err="1"/>
-              <a:t>mimick</a:t>
+              <a:rPr lang="en-US" dirty="0" smtClean="0"/>
+              <a:t>mimic </a:t>
             </a:r>
             <a:r>
               <a:rPr lang="en-US" dirty="0"/>
-              <a:t> being able to go back to the field and collect another sample.</a:t>
+              <a:t>being able to go back to the field and collect another sample.</a:t>
             </a:r>
           </a:p>
           <a:p>
@@ -3551,7 +3559,7 @@
           <a:p>
             <a:fld id="{1D8BD707-D9CF-40AE-B4C6-C98DA3205C09}" type="datetimeFigureOut">
               <a:rPr lang="en-US"/>
-              <a:t>11/17/22</a:t>
+              <a:t>4/10/2023</a:t>
             </a:fld>
             <a:endParaRPr lang="en-US"/>
           </a:p>
@@ -3728,7 +3736,7 @@
           <a:p>
             <a:fld id="{1D8BD707-D9CF-40AE-B4C6-C98DA3205C09}" type="datetimeFigureOut">
               <a:rPr lang="en-US"/>
-              <a:t>11/17/22</a:t>
+              <a:t>4/10/2023</a:t>
             </a:fld>
             <a:endParaRPr lang="en-US"/>
           </a:p>
@@ -3942,7 +3950,7 @@
           <a:p>
             <a:fld id="{1D8BD707-D9CF-40AE-B4C6-C98DA3205C09}" type="datetimeFigureOut">
               <a:rPr lang="en-US"/>
-              <a:t>11/17/22</a:t>
+              <a:t>4/10/2023</a:t>
             </a:fld>
             <a:endParaRPr lang="en-US"/>
           </a:p>
@@ -4098,7 +4106,7 @@
           <a:p>
             <a:fld id="{1D8BD707-D9CF-40AE-B4C6-C98DA3205C09}" type="datetimeFigureOut">
               <a:rPr lang="en-US"/>
-              <a:t>11/17/22</a:t>
+              <a:t>4/10/2023</a:t>
             </a:fld>
             <a:endParaRPr lang="en-US"/>
           </a:p>
@@ -4247,7 +4255,7 @@
           <a:p>
             <a:fld id="{1D8BD707-D9CF-40AE-B4C6-C98DA3205C09}" type="datetimeFigureOut">
               <a:rPr lang="en-US"/>
-              <a:t>11/17/22</a:t>
+              <a:t>4/10/2023</a:t>
             </a:fld>
             <a:endParaRPr lang="en-US"/>
           </a:p>
@@ -4794,7 +4802,7 @@
           <a:p>
             <a:fld id="{1160EA64-D806-43AC-9DF2-F8C432F32B4C}" type="datetimeFigureOut">
               <a:rPr lang="en-US" smtClean="0"/>
-              <a:t>11/17/22</a:t>
+              <a:t>4/10/2023</a:t>
             </a:fld>
             <a:endParaRPr lang="en-US" dirty="0"/>
           </a:p>
@@ -5129,7 +5137,7 @@
           <a:p>
             <a:fld id="{1D8BD707-D9CF-40AE-B4C6-C98DA3205C09}" type="datetimeFigureOut">
               <a:rPr lang="en-US"/>
-              <a:t>11/17/22</a:t>
+              <a:t>4/10/2023</a:t>
             </a:fld>
             <a:endParaRPr lang="en-US"/>
           </a:p>
@@ -16533,6 +16541,16 @@
               </a:rPr>
               <a:t>the Estimates Capture the Parameter?</a:t>
             </a:r>
+            <a:r>
+              <a:rPr lang="en-US" b="1" i="0" dirty="0">
+                <a:solidFill>
+                  <a:srgbClr val="52ADC8"/>
+                </a:solidFill>
+                <a:effectLst/>
+                <a:latin typeface="-apple-system"/>
+              </a:rPr>
+              <a:t/>
+            </a:r>
             <a:br>
               <a:rPr lang="en-US" b="1" i="0" dirty="0">
                 <a:solidFill>
@@ -16808,71 +16826,31 @@
               <a:t> </a:t>
             </a:r>
             <a:r>
-              <a:rPr sz="2400" spc="-5" dirty="0">
+              <a:rPr sz="2400" spc="-5">
                 <a:latin typeface="Rockwell" panose="02060603020205020403" pitchFamily="18" charset="77"/>
                 <a:cs typeface="Arial MT"/>
               </a:rPr>
               <a:t>of</a:t>
             </a:r>
             <a:r>
-              <a:rPr sz="2400" spc="15" dirty="0">
-                <a:latin typeface="Rockwell" panose="02060603020205020403" pitchFamily="18" charset="77"/>
-                <a:cs typeface="Arial MT"/>
-              </a:rPr>
-              <a:t> </a:t>
-            </a:r>
-            <a:r>
-              <a:rPr sz="2400" b="1" spc="-5" dirty="0">
+              <a:rPr sz="2400" spc="15">
+                <a:latin typeface="Rockwell" panose="02060603020205020403" pitchFamily="18" charset="77"/>
+                <a:cs typeface="Arial MT"/>
+              </a:rPr>
+              <a:t> </a:t>
+            </a:r>
+            <a:r>
+              <a:rPr sz="2400" b="1" smtClean="0">
                 <a:solidFill>
                   <a:srgbClr val="0000FF"/>
                 </a:solidFill>
                 <a:latin typeface="Rockwell" panose="02060603020205020403" pitchFamily="18" charset="77"/>
                 <a:cs typeface="Arial"/>
               </a:rPr>
-              <a:t>estimates</a:t>
-            </a:r>
-            <a:r>
-              <a:rPr sz="2400" b="1" spc="-15" dirty="0">
-                <a:solidFill>
-                  <a:srgbClr val="0000FF"/>
-                </a:solidFill>
-                <a:latin typeface="Rockwell" panose="02060603020205020403" pitchFamily="18" charset="77"/>
-                <a:cs typeface="Arial"/>
-              </a:rPr>
-              <a:t> </a:t>
-            </a:r>
-            <a:r>
-              <a:rPr sz="2400" b="1" spc="-5" dirty="0">
-                <a:solidFill>
-                  <a:srgbClr val="0000FF"/>
-                </a:solidFill>
-                <a:latin typeface="Rockwell" panose="02060603020205020403" pitchFamily="18" charset="77"/>
-                <a:cs typeface="Arial"/>
-              </a:rPr>
-              <a:t>of</a:t>
-            </a:r>
-            <a:r>
-              <a:rPr sz="2400" b="1" spc="-25" dirty="0">
-                <a:solidFill>
-                  <a:srgbClr val="0000FF"/>
-                </a:solidFill>
-                <a:latin typeface="Rockwell" panose="02060603020205020403" pitchFamily="18" charset="77"/>
-                <a:cs typeface="Arial"/>
-              </a:rPr>
-              <a:t> </a:t>
-            </a:r>
-            <a:r>
-              <a:rPr sz="2400" b="1" dirty="0">
-                <a:solidFill>
-                  <a:srgbClr val="0000FF"/>
-                </a:solidFill>
-                <a:latin typeface="Rockwell" panose="02060603020205020403" pitchFamily="18" charset="77"/>
-                <a:cs typeface="Arial"/>
-              </a:rPr>
               <a:t>a</a:t>
             </a:r>
             <a:r>
-              <a:rPr sz="2400" b="1" spc="-15" dirty="0">
+              <a:rPr sz="2400" b="1" spc="-15" smtClean="0">
                 <a:solidFill>
                   <a:srgbClr val="0000FF"/>
                 </a:solidFill>
@@ -21999,7 +21977,27 @@
                 <a:effectLst/>
                 <a:latin typeface="Rockwell" panose="02060603020205020403" pitchFamily="18" charset="77"/>
               </a:rPr>
-              <a:t>Practically, suppose there are n elements in the collection. To find the </a:t>
+              <a:t>Practically, suppose there are </a:t>
+            </a:r>
+            <a:r>
+              <a:rPr lang="en-US" sz="2200" b="0" i="0" dirty="0">
+                <a:solidFill>
+                  <a:srgbClr val="00B050"/>
+                </a:solidFill>
+                <a:effectLst/>
+                <a:latin typeface="Rockwell" panose="02060603020205020403" pitchFamily="18" charset="77"/>
+              </a:rPr>
+              <a:t>n</a:t>
+            </a:r>
+            <a:r>
+              <a:rPr lang="en-US" sz="2200" b="0" i="0" dirty="0">
+                <a:solidFill>
+                  <a:schemeClr val="tx1"/>
+                </a:solidFill>
+                <a:effectLst/>
+                <a:latin typeface="Rockwell" panose="02060603020205020403" pitchFamily="18" charset="77"/>
+              </a:rPr>
+              <a:t> elements in the collection. To find the </a:t>
             </a:r>
             <a:r>
               <a:rPr lang="en-US" sz="2200" b="0" i="0" dirty="0" err="1">
@@ -22081,11 +22079,31 @@
                 <a:effectLst/>
                 <a:latin typeface="Rockwell" panose="02060603020205020403" pitchFamily="18" charset="77"/>
               </a:rPr>
-              <a:t>% of n: (</a:t>
+              <a:t>% of </a:t>
             </a:r>
             <a:r>
               <a:rPr lang="en-US" b="0" i="0" dirty="0">
                 <a:solidFill>
+                  <a:srgbClr val="00B050"/>
+                </a:solidFill>
+                <a:effectLst/>
+                <a:latin typeface="Rockwell" panose="02060603020205020403" pitchFamily="18" charset="77"/>
+              </a:rPr>
+              <a:t>n</a:t>
+            </a:r>
+            <a:r>
+              <a:rPr lang="en-US" b="0" i="0" dirty="0">
+                <a:solidFill>
+                  <a:schemeClr val="tx1"/>
+                </a:solidFill>
+                <a:effectLst/>
+                <a:latin typeface="Rockwell" panose="02060603020205020403" pitchFamily="18" charset="77"/>
+              </a:rPr>
+              <a:t>: (</a:t>
+            </a:r>
+            <a:r>
+              <a:rPr lang="en-US" b="0" i="0" dirty="0">
+                <a:solidFill>
                   <a:srgbClr val="00B0F0"/>
                 </a:solidFill>
                 <a:effectLst/>
@@ -22101,32 +22119,42 @@
                 <a:effectLst/>
                 <a:latin typeface="Rockwell" panose="02060603020205020403" pitchFamily="18" charset="77"/>
               </a:rPr>
-              <a:t>/100)×n(</a:t>
+              <a:t>/100)×</a:t>
+            </a:r>
+            <a:r>
+              <a:rPr lang="en-US" b="0" i="0" dirty="0" smtClean="0">
+                <a:solidFill>
+                  <a:srgbClr val="00B050"/>
+                </a:solidFill>
+                <a:effectLst/>
+                <a:latin typeface="Rockwell" panose="02060603020205020403" pitchFamily="18" charset="77"/>
+              </a:rPr>
+              <a:t>n</a:t>
+            </a:r>
+            <a:r>
+              <a:rPr lang="en-US" b="0" i="0" dirty="0" smtClean="0">
+                <a:solidFill>
+                  <a:schemeClr val="tx1"/>
+                </a:solidFill>
+                <a:effectLst/>
+                <a:latin typeface="Rockwell" panose="02060603020205020403" pitchFamily="18" charset="77"/>
+              </a:rPr>
+              <a:t>. </a:t>
             </a:r>
             <a:r>
               <a:rPr lang="en-US" b="0" i="0" dirty="0">
                 <a:solidFill>
-                  <a:srgbClr val="00B0F0"/>
+                  <a:schemeClr val="tx1"/>
                 </a:solidFill>
                 <a:effectLst/>
                 <a:latin typeface="Rockwell" panose="02060603020205020403" pitchFamily="18" charset="77"/>
               </a:rPr>
-              <a:t>p</a:t>
+              <a:t>Call that </a:t>
             </a:r>
             <a:r>
               <a:rPr lang="en-US" b="0" i="0" dirty="0">
                 <a:solidFill>
-                  <a:schemeClr val="tx1"/>
-                </a:solidFill>
-                <a:effectLst/>
-                <a:latin typeface="Rockwell" panose="02060603020205020403" pitchFamily="18" charset="77"/>
-              </a:rPr>
-              <a:t>/100)×n. Call that </a:t>
-            </a:r>
-            <a:r>
-              <a:rPr lang="en-US" b="0" i="0" dirty="0">
-                <a:solidFill>
-                  <a:srgbClr val="0070C0"/>
+                  <a:srgbClr val="FF0000"/>
                 </a:solidFill>
                 <a:effectLst/>
                 <a:latin typeface="Rockwell" panose="02060603020205020403" pitchFamily="18" charset="77"/>
@@ -22162,7 +22190,7 @@
             <a:r>
               <a:rPr lang="en-US" b="0" i="0" dirty="0">
                 <a:solidFill>
-                  <a:srgbClr val="0070C0"/>
+                  <a:srgbClr val="FF0000"/>
                 </a:solidFill>
                 <a:effectLst/>
                 <a:latin typeface="Rockwell" panose="02060603020205020403" pitchFamily="18" charset="77"/>
@@ -22182,7 +22210,7 @@
             <a:r>
               <a:rPr lang="en-US" b="0" i="0" dirty="0">
                 <a:solidFill>
-                  <a:srgbClr val="0070C0"/>
+                  <a:srgbClr val="FF0000"/>
                 </a:solidFill>
                 <a:effectLst/>
                 <a:latin typeface="Rockwell" panose="02060603020205020403" pitchFamily="18" charset="77"/>
@@ -22218,7 +22246,7 @@
             <a:r>
               <a:rPr lang="en-US" b="0" i="0" dirty="0">
                 <a:solidFill>
-                  <a:srgbClr val="0070C0"/>
+                  <a:srgbClr val="FF0000"/>
                 </a:solidFill>
                 <a:effectLst/>
                 <a:latin typeface="Rockwell" panose="02060603020205020403" pitchFamily="18" charset="77"/>
@@ -22233,7 +22261,27 @@
                 <a:effectLst/>
                 <a:latin typeface="Rockwell" panose="02060603020205020403" pitchFamily="18" charset="77"/>
               </a:rPr>
-              <a:t> is not an integer, round it up to the next integer, and take that element of the sorted collection.</a:t>
+              <a:t> is not an integer, round it </a:t>
+            </a:r>
+            <a:r>
+              <a:rPr lang="en-US" b="0" i="0" dirty="0">
+                <a:solidFill>
+                  <a:srgbClr val="FF0000"/>
+                </a:solidFill>
+                <a:effectLst/>
+                <a:latin typeface="Rockwell" panose="02060603020205020403" pitchFamily="18" charset="77"/>
+              </a:rPr>
+              <a:t>up to the next </a:t>
+            </a:r>
+            <a:r>
+              <a:rPr lang="en-US" b="0" i="0" dirty="0">
+                <a:solidFill>
+                  <a:schemeClr val="tx1"/>
+                </a:solidFill>
+                <a:effectLst/>
+                <a:latin typeface="Rockwell" panose="02060603020205020403" pitchFamily="18" charset="77"/>
+              </a:rPr>
+              <a:t>integer, and take that element of the sorted collection.</a:t>
             </a:r>
           </a:p>
           <a:p>
@@ -23612,70 +23660,100 @@
               <a:t>The </a:t>
             </a:r>
             <a:r>
+              <a:rPr lang="en-US" sz="2400" b="1" dirty="0" err="1" smtClean="0">
+                <a:solidFill>
+                  <a:srgbClr val="00B0F0"/>
+                </a:solidFill>
+                <a:latin typeface="Rockwell" panose="02060603020205020403" pitchFamily="18" charset="77"/>
+              </a:rPr>
+              <a:t>p</a:t>
+            </a:r>
+            <a:r>
+              <a:rPr sz="2400" b="1" spc="-5" dirty="0" err="1" smtClean="0">
+                <a:latin typeface="Rockwell" panose="02060603020205020403" pitchFamily="18" charset="77"/>
+                <a:cs typeface="Arial MT"/>
+              </a:rPr>
+              <a:t>th</a:t>
+            </a:r>
+            <a:r>
+              <a:rPr sz="2400" spc="-5" dirty="0" smtClean="0">
+                <a:latin typeface="Rockwell" panose="02060603020205020403" pitchFamily="18" charset="77"/>
+                <a:cs typeface="Arial MT"/>
+              </a:rPr>
+              <a:t> </a:t>
+            </a:r>
+            <a:r>
+              <a:rPr sz="2400" spc="-5" dirty="0">
+                <a:latin typeface="Rockwell" panose="02060603020205020403" pitchFamily="18" charset="77"/>
+                <a:cs typeface="Arial MT"/>
+              </a:rPr>
+              <a:t>percentile is </a:t>
+            </a:r>
+            <a:r>
+              <a:rPr lang="en-US" sz="2400" spc="-5" dirty="0">
+                <a:latin typeface="Rockwell" panose="02060603020205020403" pitchFamily="18" charset="77"/>
+                <a:cs typeface="Arial MT"/>
+              </a:rPr>
+              <a:t>the </a:t>
+            </a:r>
+            <a:r>
+              <a:rPr sz="2400" spc="-5" dirty="0">
+                <a:latin typeface="Rockwell" panose="02060603020205020403" pitchFamily="18" charset="77"/>
+                <a:cs typeface="Arial MT"/>
+              </a:rPr>
+              <a:t>first </a:t>
+            </a:r>
+            <a:r>
+              <a:rPr sz="2400" dirty="0">
+                <a:latin typeface="Rockwell" panose="02060603020205020403" pitchFamily="18" charset="77"/>
+                <a:cs typeface="Arial MT"/>
+              </a:rPr>
+              <a:t>value </a:t>
+            </a:r>
+            <a:r>
+              <a:rPr sz="2400" spc="-5" dirty="0">
+                <a:latin typeface="Rockwell" panose="02060603020205020403" pitchFamily="18" charset="77"/>
+                <a:cs typeface="Arial MT"/>
+              </a:rPr>
+              <a:t>on the </a:t>
+            </a:r>
+            <a:r>
+              <a:rPr sz="2400" dirty="0">
+                <a:latin typeface="Rockwell" panose="02060603020205020403" pitchFamily="18" charset="77"/>
+                <a:cs typeface="Arial MT"/>
+              </a:rPr>
+              <a:t>sorted </a:t>
+            </a:r>
+            <a:r>
+              <a:rPr sz="2400" spc="-5" dirty="0">
+                <a:latin typeface="Rockwell" panose="02060603020205020403" pitchFamily="18" charset="77"/>
+                <a:cs typeface="Arial MT"/>
+              </a:rPr>
+              <a:t>list that is </a:t>
+            </a:r>
+            <a:r>
               <a:rPr sz="2400" b="1" spc="-5" dirty="0">
                 <a:latin typeface="Rockwell" panose="02060603020205020403" pitchFamily="18" charset="77"/>
                 <a:cs typeface="Arial MT"/>
               </a:rPr>
-              <a:t>Xth</a:t>
-            </a:r>
-            <a:r>
-              <a:rPr sz="2400" spc="-5" dirty="0">
-                <a:latin typeface="Rockwell" panose="02060603020205020403" pitchFamily="18" charset="77"/>
-                <a:cs typeface="Arial MT"/>
-              </a:rPr>
-              <a:t> percentile is </a:t>
-            </a:r>
-            <a:r>
-              <a:rPr lang="en-US" sz="2400" spc="-5" dirty="0">
-                <a:latin typeface="Rockwell" panose="02060603020205020403" pitchFamily="18" charset="77"/>
-                <a:cs typeface="Arial MT"/>
-              </a:rPr>
-              <a:t>the </a:t>
-            </a:r>
-            <a:r>
-              <a:rPr sz="2400" spc="-5" dirty="0">
-                <a:latin typeface="Rockwell" panose="02060603020205020403" pitchFamily="18" charset="77"/>
-                <a:cs typeface="Arial MT"/>
-              </a:rPr>
-              <a:t>first </a:t>
-            </a:r>
-            <a:r>
-              <a:rPr sz="2400" dirty="0">
-                <a:latin typeface="Rockwell" panose="02060603020205020403" pitchFamily="18" charset="77"/>
-                <a:cs typeface="Arial MT"/>
-              </a:rPr>
-              <a:t>value </a:t>
-            </a:r>
-            <a:r>
-              <a:rPr sz="2400" spc="-5" dirty="0">
-                <a:latin typeface="Rockwell" panose="02060603020205020403" pitchFamily="18" charset="77"/>
-                <a:cs typeface="Arial MT"/>
-              </a:rPr>
-              <a:t>on the </a:t>
-            </a:r>
-            <a:r>
-              <a:rPr sz="2400" dirty="0">
-                <a:latin typeface="Rockwell" panose="02060603020205020403" pitchFamily="18" charset="77"/>
-                <a:cs typeface="Arial MT"/>
-              </a:rPr>
-              <a:t>sorted </a:t>
-            </a:r>
-            <a:r>
-              <a:rPr sz="2400" spc="-5" dirty="0">
-                <a:latin typeface="Rockwell" panose="02060603020205020403" pitchFamily="18" charset="77"/>
-                <a:cs typeface="Arial MT"/>
-              </a:rPr>
-              <a:t>list that is </a:t>
+              <a:t>at </a:t>
+            </a:r>
+            <a:r>
+              <a:rPr sz="2400" b="1" spc="-655" dirty="0">
+                <a:latin typeface="Rockwell" panose="02060603020205020403" pitchFamily="18" charset="77"/>
+                <a:cs typeface="Arial MT"/>
+              </a:rPr>
+              <a:t> </a:t>
             </a:r>
             <a:r>
               <a:rPr sz="2400" b="1" spc="-5" dirty="0">
                 <a:latin typeface="Rockwell" panose="02060603020205020403" pitchFamily="18" charset="77"/>
                 <a:cs typeface="Arial MT"/>
               </a:rPr>
-              <a:t>at </a:t>
-            </a:r>
-            <a:r>
-              <a:rPr sz="2400" b="1" spc="-655" dirty="0">
+              <a:t>least</a:t>
+            </a:r>
+            <a:r>
+              <a:rPr sz="2400" b="1" spc="-10" dirty="0">
                 <a:latin typeface="Rockwell" panose="02060603020205020403" pitchFamily="18" charset="77"/>
                 <a:cs typeface="Arial MT"/>
               </a:rPr>
@@ -23686,7 +23764,7 @@
                 <a:latin typeface="Rockwell" panose="02060603020205020403" pitchFamily="18" charset="77"/>
                 <a:cs typeface="Arial MT"/>
               </a:rPr>
-              <a:t>least</a:t>
+              <a:t>as large as</a:t>
             </a:r>
             <a:r>
               <a:rPr sz="2400" b="1" spc="-10" dirty="0">
@@ -23696,28 +23774,23 @@
               <a:t> </a:t>
             </a:r>
             <a:r>
-              <a:rPr sz="2400" b="1" spc="-5" dirty="0">
-                <a:latin typeface="Rockwell" panose="02060603020205020403" pitchFamily="18" charset="77"/>
-                <a:cs typeface="Arial MT"/>
-              </a:rPr>
-              <a:t>as large as</a:t>
-            </a:r>
-            <a:r>
-              <a:rPr sz="2400" b="1" spc="-10" dirty="0">
-                <a:latin typeface="Rockwell" panose="02060603020205020403" pitchFamily="18" charset="77"/>
-                <a:cs typeface="Arial MT"/>
-              </a:rPr>
-              <a:t> </a:t>
-            </a:r>
-            <a:r>
-              <a:rPr sz="2400" b="1" spc="-5" dirty="0">
-                <a:latin typeface="Rockwell" panose="02060603020205020403" pitchFamily="18" charset="77"/>
-                <a:cs typeface="Arial MT"/>
-              </a:rPr>
-              <a:t>X%</a:t>
-            </a:r>
-            <a:r>
-              <a:rPr sz="2400" b="1" spc="-10" dirty="0">
+              <a:rPr lang="en-US" sz="2400" b="1" dirty="0" smtClean="0">
+                <a:solidFill>
+                  <a:srgbClr val="00B0F0"/>
+                </a:solidFill>
+                <a:latin typeface="Rockwell" panose="02060603020205020403" pitchFamily="18" charset="77"/>
+              </a:rPr>
+              <a:t>p</a:t>
+            </a:r>
+            <a:r>
+              <a:rPr sz="2400" b="1" spc="-5" dirty="0" smtClean="0">
+                <a:latin typeface="Rockwell" panose="02060603020205020403" pitchFamily="18" charset="77"/>
+                <a:cs typeface="Arial MT"/>
+              </a:rPr>
+              <a:t>%</a:t>
+            </a:r>
+            <a:r>
+              <a:rPr sz="2400" b="1" spc="-10" dirty="0" smtClean="0">
                 <a:latin typeface="Rockwell" panose="02060603020205020403" pitchFamily="18" charset="77"/>
                 <a:cs typeface="Arial MT"/>
               </a:rPr>
@@ -24228,7 +24301,7 @@
         </p:nvGrpSpPr>
         <p:grpSpPr>
           <a:xfrm>
-            <a:off x="6708140" y="2200649"/>
+            <a:off x="6583805" y="2213848"/>
             <a:ext cx="1435735" cy="697230"/>
             <a:chOff x="7162809" y="2200649"/>
             <a:chExt cx="1435735" cy="697230"/>
@@ -24686,7 +24759,7 @@
               <a:t> </a:t>
             </a:r>
             <a:r>
-              <a:rPr sz="2200" b="1" spc="-5" dirty="0">
+              <a:rPr sz="2200" b="1" spc="-5" dirty="0" smtClean="0">
                 <a:solidFill>
                   <a:srgbClr val="3B7EA1"/>
                 </a:solidFill>
@@ -24695,7 +24768,17 @@
               </a:rPr>
               <a:t>9]</a:t>
             </a:r>
-            <a:endParaRPr lang="en-US" sz="2200" dirty="0">
+            <a:r>
+              <a:rPr lang="en-US" sz="2200" b="1" spc="-5" dirty="0" smtClean="0">
+                <a:solidFill>
+                  <a:srgbClr val="3B7EA1"/>
+                </a:solidFill>
+                <a:latin typeface="Rockwell" panose="02060603020205020403" pitchFamily="18" charset="77"/>
+                <a:cs typeface="Courier New"/>
+              </a:rPr>
+              <a:t> and</a:t>
+            </a:r>
+            <a:endParaRPr lang="en-US" sz="2200" dirty="0" smtClean="0">
               <a:latin typeface="Rockwell" panose="02060603020205020403" pitchFamily="18" charset="77"/>
               <a:cs typeface="Courier New"/>
             </a:endParaRPr>
@@ -24710,7 +24793,7 @@
               </a:spcBef>
             </a:pPr>
             <a:r>
-              <a:rPr lang="en-US" sz="2200" b="1" spc="-5" dirty="0">
+              <a:rPr lang="en-US" sz="2200" b="1" spc="-5" dirty="0" smtClean="0">
                 <a:solidFill>
                   <a:srgbClr val="3B7EA1"/>
                 </a:solidFill>
@@ -24720,7 +24803,7 @@
               <a:t>percentile(80</a:t>
             </a:r>
             <a:r>
-              <a:rPr lang="en-US" sz="2200" b="1" dirty="0">
+              <a:rPr lang="en-US" sz="2200" b="1" dirty="0" smtClean="0">
                 <a:solidFill>
                   <a:srgbClr val="3B7EA1"/>
                 </a:solidFill>
@@ -24730,7 +24813,7 @@
               <a:t>,</a:t>
             </a:r>
             <a:r>
-              <a:rPr lang="en-US" sz="2200" b="1" spc="-5" dirty="0">
+              <a:rPr lang="en-US" sz="2200" b="1" spc="-5" dirty="0" smtClean="0">
                 <a:solidFill>
                   <a:srgbClr val="3B7EA1"/>
                 </a:solidFill>
@@ -24740,7 +24823,7 @@
               <a:t> s</a:t>
             </a:r>
             <a:r>
-              <a:rPr lang="en-US" sz="2200" b="1" dirty="0">
+              <a:rPr lang="en-US" sz="2200" b="1" dirty="0" smtClean="0">
                 <a:solidFill>
                   <a:srgbClr val="3B7EA1"/>
                 </a:solidFill>
@@ -24750,7 +24833,7 @@
               <a:t>)</a:t>
             </a:r>
             <a:r>
-              <a:rPr lang="en-US" sz="2200" b="1" spc="-655" dirty="0">
+              <a:rPr lang="en-US" sz="2200" b="1" spc="-655" dirty="0" smtClean="0">
                 <a:solidFill>
                   <a:srgbClr val="3B7EA1"/>
                 </a:solidFill>
@@ -24760,153 +24843,166 @@
               <a:t>   </a:t>
             </a:r>
             <a:r>
-              <a:rPr lang="en-US" sz="2400" spc="-5" dirty="0">
+              <a:rPr lang="en-US" sz="2400" spc="-5" dirty="0" smtClean="0">
                 <a:latin typeface="Rockwell" panose="02060603020205020403" pitchFamily="18" charset="77"/>
                 <a:cs typeface="Arial MT"/>
               </a:rPr>
               <a:t>i</a:t>
             </a:r>
             <a:r>
-              <a:rPr lang="en-US" sz="2400" dirty="0">
+              <a:rPr lang="en-US" sz="2400" dirty="0" smtClean="0">
                 <a:latin typeface="Rockwell" panose="02060603020205020403" pitchFamily="18" charset="77"/>
                 <a:cs typeface="Arial MT"/>
               </a:rPr>
               <a:t>s</a:t>
             </a:r>
             <a:r>
-              <a:rPr lang="en-US" sz="2400" spc="-5" dirty="0">
-                <a:latin typeface="Rockwell" panose="02060603020205020403" pitchFamily="18" charset="77"/>
-                <a:cs typeface="Arial MT"/>
-              </a:rPr>
-              <a:t> </a:t>
-            </a:r>
-            <a:r>
-              <a:rPr lang="en-US" sz="2400" dirty="0">
-                <a:latin typeface="Rockwell" panose="02060603020205020403" pitchFamily="18" charset="77"/>
-                <a:cs typeface="Arial MT"/>
-              </a:rPr>
-              <a:t>7  </a:t>
-            </a:r>
-            <a:r>
-              <a:rPr lang="en-US" sz="2400" spc="-5" dirty="0">
-                <a:latin typeface="Rockwell" panose="02060603020205020403" pitchFamily="18" charset="77"/>
-                <a:cs typeface="Arial MT"/>
-              </a:rPr>
-              <a:t>The</a:t>
-            </a:r>
-            <a:r>
-              <a:rPr lang="en-US" sz="2400" spc="-15" dirty="0">
-                <a:latin typeface="Rockwell" panose="02060603020205020403" pitchFamily="18" charset="77"/>
-                <a:cs typeface="Arial MT"/>
-              </a:rPr>
-              <a:t> </a:t>
-            </a:r>
-            <a:r>
-              <a:rPr lang="en-US" sz="2400" spc="-5" dirty="0">
+              <a:rPr lang="en-US" sz="2400" spc="-5" dirty="0" smtClean="0">
+                <a:latin typeface="Rockwell" panose="02060603020205020403" pitchFamily="18" charset="77"/>
+                <a:cs typeface="Arial MT"/>
+              </a:rPr>
+              <a:t> </a:t>
+            </a:r>
+            <a:r>
+              <a:rPr lang="en-US" sz="2400" dirty="0" smtClean="0">
+                <a:latin typeface="Rockwell" panose="02060603020205020403" pitchFamily="18" charset="77"/>
+                <a:cs typeface="Arial MT"/>
+              </a:rPr>
+              <a:t>7       </a:t>
+            </a:r>
+            <a:r>
+              <a:rPr lang="en-US" sz="2400" spc="-15" dirty="0" smtClean="0">
+                <a:latin typeface="Rockwell" panose="02060603020205020403" pitchFamily="18" charset="77"/>
+                <a:cs typeface="Arial MT"/>
+              </a:rPr>
+              <a:t>The </a:t>
+            </a:r>
+            <a:r>
+              <a:rPr lang="en-US" sz="2400" spc="-5" dirty="0" smtClean="0">
                 <a:latin typeface="Rockwell" panose="02060603020205020403" pitchFamily="18" charset="77"/>
                 <a:cs typeface="Arial MT"/>
               </a:rPr>
               <a:t>80th</a:t>
             </a:r>
             <a:r>
-              <a:rPr lang="en-US" sz="2400" spc="-10" dirty="0">
-                <a:latin typeface="Rockwell" panose="02060603020205020403" pitchFamily="18" charset="77"/>
-                <a:cs typeface="Arial MT"/>
-              </a:rPr>
-              <a:t> </a:t>
-            </a:r>
-            <a:r>
-              <a:rPr lang="en-US" sz="2400" spc="-5" dirty="0">
+              <a:rPr lang="en-US" sz="2400" spc="-10" dirty="0" smtClean="0">
+                <a:latin typeface="Rockwell" panose="02060603020205020403" pitchFamily="18" charset="77"/>
+                <a:cs typeface="Arial MT"/>
+              </a:rPr>
+              <a:t> </a:t>
+            </a:r>
+            <a:r>
+              <a:rPr lang="en-US" sz="2400" spc="-5" dirty="0" smtClean="0">
                 <a:latin typeface="Rockwell" panose="02060603020205020403" pitchFamily="18" charset="77"/>
                 <a:cs typeface="Arial MT"/>
               </a:rPr>
               <a:t>percentile</a:t>
             </a:r>
             <a:r>
-              <a:rPr lang="en-US" sz="2400" spc="-10" dirty="0">
-                <a:latin typeface="Rockwell" panose="02060603020205020403" pitchFamily="18" charset="77"/>
-                <a:cs typeface="Arial MT"/>
-              </a:rPr>
-              <a:t> </a:t>
-            </a:r>
-            <a:r>
-              <a:rPr lang="en-US" sz="2400" spc="-5" dirty="0">
-                <a:latin typeface="Rockwell" panose="02060603020205020403" pitchFamily="18" charset="77"/>
-                <a:cs typeface="Arial MT"/>
-              </a:rPr>
-              <a:t>is ordered</a:t>
-            </a:r>
-            <a:r>
-              <a:rPr lang="en-US" sz="2400" spc="-10" dirty="0">
-                <a:latin typeface="Rockwell" panose="02060603020205020403" pitchFamily="18" charset="77"/>
-                <a:cs typeface="Arial MT"/>
-              </a:rPr>
-              <a:t> </a:t>
-            </a:r>
-            <a:r>
-              <a:rPr lang="en-US" sz="2400" spc="-5" dirty="0">
-                <a:latin typeface="Rockwell" panose="02060603020205020403" pitchFamily="18" charset="77"/>
-                <a:cs typeface="Arial MT"/>
-              </a:rPr>
-              <a:t>element</a:t>
-            </a:r>
-            <a:r>
-              <a:rPr lang="en-US" sz="2400" spc="-10" dirty="0">
-                <a:latin typeface="Rockwell" panose="02060603020205020403" pitchFamily="18" charset="77"/>
-                <a:cs typeface="Arial MT"/>
-              </a:rPr>
-              <a:t> </a:t>
-            </a:r>
-            <a:r>
-              <a:rPr lang="en-US" sz="2400" spc="-5" dirty="0">
-                <a:latin typeface="Rockwell" panose="02060603020205020403" pitchFamily="18" charset="77"/>
-                <a:cs typeface="Arial MT"/>
-              </a:rPr>
-              <a:t>4:</a:t>
-            </a:r>
-            <a:r>
-              <a:rPr lang="en-US" sz="2400" spc="40" dirty="0">
-                <a:latin typeface="Rockwell" panose="02060603020205020403" pitchFamily="18" charset="77"/>
-                <a:cs typeface="Arial MT"/>
-              </a:rPr>
-              <a:t> </a:t>
-            </a:r>
-            <a:r>
-              <a:rPr lang="en-US" sz="2200" b="1" spc="-5" dirty="0">
+              <a:rPr lang="en-US" sz="2400" spc="-10" dirty="0" smtClean="0">
+                <a:latin typeface="Rockwell" panose="02060603020205020403" pitchFamily="18" charset="77"/>
+                <a:cs typeface="Arial MT"/>
+              </a:rPr>
+              <a:t> </a:t>
+            </a:r>
+            <a:r>
+              <a:rPr lang="en-US" sz="2400" spc="-5" dirty="0" smtClean="0">
+                <a:latin typeface="Rockwell" panose="02060603020205020403" pitchFamily="18" charset="77"/>
+                <a:cs typeface="Arial MT"/>
+              </a:rPr>
+              <a:t>is the </a:t>
+            </a:r>
+            <a:r>
+              <a:rPr lang="en-US" sz="2400" spc="-5" dirty="0" smtClean="0">
+                <a:solidFill>
+                  <a:srgbClr val="FF0000"/>
+                </a:solidFill>
+                <a:latin typeface="Rockwell" panose="02060603020205020403" pitchFamily="18" charset="77"/>
+                <a:cs typeface="Arial MT"/>
+              </a:rPr>
+              <a:t>4</a:t>
+            </a:r>
+            <a:r>
+              <a:rPr lang="en-US" sz="2400" spc="-5" dirty="0" smtClean="0">
+                <a:latin typeface="Rockwell" panose="02060603020205020403" pitchFamily="18" charset="77"/>
+                <a:cs typeface="Arial MT"/>
+              </a:rPr>
+              <a:t>th</a:t>
+            </a:r>
+            <a:r>
+              <a:rPr lang="en-US" sz="2400" spc="-5" dirty="0" smtClean="0">
+                <a:solidFill>
+                  <a:srgbClr val="FF0000"/>
+                </a:solidFill>
+                <a:latin typeface="Rockwell" panose="02060603020205020403" pitchFamily="18" charset="77"/>
+                <a:cs typeface="Arial MT"/>
+              </a:rPr>
+              <a:t> </a:t>
+            </a:r>
+            <a:r>
+              <a:rPr lang="en-US" sz="2400" spc="-5" dirty="0" smtClean="0">
+                <a:latin typeface="Rockwell" panose="02060603020205020403" pitchFamily="18" charset="77"/>
+                <a:cs typeface="Arial MT"/>
+              </a:rPr>
+              <a:t>ordered</a:t>
+            </a:r>
+            <a:r>
+              <a:rPr lang="en-US" sz="2400" spc="-10" dirty="0" smtClean="0">
+                <a:latin typeface="Rockwell" panose="02060603020205020403" pitchFamily="18" charset="77"/>
+                <a:cs typeface="Arial MT"/>
+              </a:rPr>
+              <a:t> </a:t>
+            </a:r>
+            <a:r>
+              <a:rPr lang="en-US" sz="2400" spc="-5" dirty="0" smtClean="0">
+                <a:latin typeface="Rockwell" panose="02060603020205020403" pitchFamily="18" charset="77"/>
+                <a:cs typeface="Arial MT"/>
+              </a:rPr>
+              <a:t>element:</a:t>
+            </a:r>
+            <a:r>
+              <a:rPr lang="en-US" sz="2400" spc="40" dirty="0" smtClean="0">
+                <a:latin typeface="Rockwell" panose="02060603020205020403" pitchFamily="18" charset="77"/>
+                <a:cs typeface="Arial MT"/>
+              </a:rPr>
+              <a:t> </a:t>
+            </a:r>
+            <a:r>
+              <a:rPr lang="en-US" sz="2200" b="1" spc="-5" dirty="0" smtClean="0">
                 <a:latin typeface="Rockwell" panose="02060603020205020403" pitchFamily="18" charset="77"/>
                 <a:cs typeface="Courier New"/>
               </a:rPr>
               <a:t>(80/100)</a:t>
             </a:r>
             <a:r>
-              <a:rPr lang="en-US" sz="2200" b="1" spc="-10" dirty="0">
+              <a:rPr lang="en-US" sz="2200" b="1" spc="-10" dirty="0" smtClean="0">
                 <a:latin typeface="Rockwell" panose="02060603020205020403" pitchFamily="18" charset="77"/>
                 <a:cs typeface="Courier New"/>
               </a:rPr>
               <a:t> </a:t>
             </a:r>
             <a:r>
-              <a:rPr lang="en-US" sz="2200" b="1" dirty="0">
+              <a:rPr lang="en-US" sz="2200" b="1" dirty="0" smtClean="0">
                 <a:latin typeface="Rockwell" panose="02060603020205020403" pitchFamily="18" charset="77"/>
                 <a:cs typeface="Courier New"/>
               </a:rPr>
               <a:t>*</a:t>
             </a:r>
             <a:r>
-              <a:rPr lang="en-US" sz="2200" b="1" spc="-15" dirty="0">
+              <a:rPr lang="en-US" sz="2200" b="1" spc="-15" dirty="0" smtClean="0">
                 <a:latin typeface="Rockwell" panose="02060603020205020403" pitchFamily="18" charset="77"/>
                 <a:cs typeface="Courier New"/>
               </a:rPr>
               <a:t> </a:t>
             </a:r>
             <a:r>
-              <a:rPr lang="en-US" sz="2200" b="1" dirty="0">
+              <a:rPr lang="en-US" sz="2200" b="1" dirty="0" smtClean="0">
                 <a:latin typeface="Rockwell" panose="02060603020205020403" pitchFamily="18" charset="77"/>
                 <a:cs typeface="Courier New"/>
               </a:rPr>
               <a:t>5</a:t>
             </a:r>
-            <a:endParaRPr lang="en-US" sz="2200" dirty="0">
+            <a:endParaRPr lang="en-US" sz="2200" dirty="0" smtClean="0">
               <a:latin typeface="Rockwell" panose="02060603020205020403" pitchFamily="18" charset="77"/>
               <a:cs typeface="Courier New"/>
             </a:endParaRPr>
@@ -24923,42 +25019,56 @@
               <a:buChar char="•"/>
             </a:pPr>
             <a:r>
+              <a:rPr sz="2400" spc="-5" dirty="0" smtClean="0">
+                <a:latin typeface="Rockwell" panose="02060603020205020403" pitchFamily="18" charset="77"/>
+                <a:cs typeface="Arial MT"/>
+              </a:rPr>
+              <a:t>For </a:t>
+            </a:r>
+            <a:r>
+              <a:rPr sz="2400" dirty="0">
+                <a:latin typeface="Rockwell" panose="02060603020205020403" pitchFamily="18" charset="77"/>
+                <a:cs typeface="Arial MT"/>
+              </a:rPr>
+              <a:t>a </a:t>
+            </a:r>
+            <a:r>
               <a:rPr sz="2400" spc="-5" dirty="0">
                 <a:latin typeface="Rockwell" panose="02060603020205020403" pitchFamily="18" charset="77"/>
                 <a:cs typeface="Arial MT"/>
               </a:rPr>
-              <a:t>For </a:t>
+              <a:t>percentile that does not exactly </a:t>
             </a:r>
             <a:r>
               <a:rPr sz="2400" dirty="0">
                 <a:latin typeface="Rockwell" panose="02060603020205020403" pitchFamily="18" charset="77"/>
                 <a:cs typeface="Arial MT"/>
               </a:rPr>
-              <a:t>a </a:t>
+              <a:t>correspond </a:t>
             </a:r>
             <a:r>
               <a:rPr sz="2400" spc="-5" dirty="0">
                 <a:latin typeface="Rockwell" panose="02060603020205020403" pitchFamily="18" charset="77"/>
                 <a:cs typeface="Arial MT"/>
               </a:rPr>
-              <a:t>percentile that does not exactly </a:t>
-            </a:r>
-            <a:r>
-              <a:rPr sz="2400" dirty="0">
-                <a:latin typeface="Rockwell" panose="02060603020205020403" pitchFamily="18" charset="77"/>
-                <a:cs typeface="Arial MT"/>
-              </a:rPr>
-              <a:t>correspond </a:t>
+              <a:t>to an </a:t>
+            </a:r>
+            <a:r>
+              <a:rPr sz="2400" spc="-655" dirty="0">
+                <a:latin typeface="Rockwell" panose="02060603020205020403" pitchFamily="18" charset="77"/>
+                <a:cs typeface="Arial MT"/>
+              </a:rPr>
+              <a:t> </a:t>
             </a:r>
             <a:r>
               <a:rPr sz="2400" spc="-5" dirty="0">
                 <a:latin typeface="Rockwell" panose="02060603020205020403" pitchFamily="18" charset="77"/>
                 <a:cs typeface="Arial MT"/>
               </a:rPr>
-              <a:t>to an </a:t>
-            </a:r>
-            <a:r>
-              <a:rPr sz="2400" spc="-655" dirty="0">
+              <a:t>element,</a:t>
+            </a:r>
+            <a:r>
+              <a:rPr sz="2400" spc="-10" dirty="0">
                 <a:latin typeface="Rockwell" panose="02060603020205020403" pitchFamily="18" charset="77"/>
                 <a:cs typeface="Arial MT"/>
               </a:rPr>
@@ -24969,10 +25079,10 @@
                 <a:latin typeface="Rockwell" panose="02060603020205020403" pitchFamily="18" charset="77"/>
                 <a:cs typeface="Arial MT"/>
               </a:rPr>
-              <a:t>element,</a:t>
-            </a:r>
-            <a:r>
-              <a:rPr sz="2400" spc="-10" dirty="0">
+              <a:t>take</a:t>
+            </a:r>
+            <a:r>
+              <a:rPr sz="2400" spc="-15" dirty="0">
                 <a:latin typeface="Rockwell" panose="02060603020205020403" pitchFamily="18" charset="77"/>
                 <a:cs typeface="Arial MT"/>
               </a:rPr>
@@ -24983,7 +25093,7 @@
                 <a:latin typeface="Rockwell" panose="02060603020205020403" pitchFamily="18" charset="77"/>
                 <a:cs typeface="Arial MT"/>
               </a:rPr>
-              <a:t>take</a:t>
+              <a:t>the</a:t>
             </a:r>
             <a:r>
               <a:rPr sz="2400" spc="-15" dirty="0">
@@ -24994,24 +25104,20 @@
             </a:r>
             <a:r>
               <a:rPr sz="2400" spc="-5" dirty="0">
-                <a:latin typeface="Rockwell" panose="02060603020205020403" pitchFamily="18" charset="77"/>
-                <a:cs typeface="Arial MT"/>
-              </a:rPr>
-              <a:t>the</a:t>
-            </a:r>
-            <a:r>
-              <a:rPr sz="2400" spc="-15" dirty="0">
-                <a:latin typeface="Rockwell" panose="02060603020205020403" pitchFamily="18" charset="77"/>
-                <a:cs typeface="Arial MT"/>
-              </a:rPr>
-              <a:t> </a:t>
+                <a:solidFill>
+                  <a:srgbClr val="FF0000"/>
+                </a:solidFill>
+                <a:latin typeface="Rockwell" panose="02060603020205020403" pitchFamily="18" charset="77"/>
+                <a:cs typeface="Arial MT"/>
+              </a:rPr>
+              <a:t>next</a:t>
             </a:r>
             <a:r>
               <a:rPr sz="2400" spc="-5" dirty="0">
                 <a:latin typeface="Rockwell" panose="02060603020205020403" pitchFamily="18" charset="77"/>
                 <a:cs typeface="Arial MT"/>
               </a:rPr>
-              <a:t>next greater</a:t>
+              <a:t> greater</a:t>
             </a:r>
             <a:r>
               <a:rPr sz="2400" spc="-10" dirty="0">
@@ -27887,13 +27993,13 @@
               <a:t> </a:t>
             </a:r>
             <a:r>
-              <a:rPr sz="2400" spc="-5" dirty="0">
+              <a:rPr sz="2400" spc="-5" dirty="0" smtClean="0">
                 <a:latin typeface="Rockwell" panose="02060603020205020403" pitchFamily="18" charset="77"/>
                 <a:cs typeface="Arial MT"/>
               </a:rPr>
               <a:t>parameter</a:t>
             </a:r>
-            <a:endParaRPr sz="2400" dirty="0">
+            <a:endParaRPr sz="2400" dirty="0" smtClean="0">
               <a:latin typeface="Rockwell" panose="02060603020205020403" pitchFamily="18" charset="77"/>
               <a:cs typeface="Arial MT"/>
             </a:endParaRPr>
@@ -27905,7 +28011,7 @@
               </a:lnSpc>
             </a:pPr>
             <a:r>
-              <a:rPr dirty="0">
+              <a:rPr dirty="0" smtClean="0">
                 <a:solidFill>
                   <a:srgbClr val="3B7EA1"/>
                 </a:solidFill>
@@ -27915,7 +28021,7 @@
               <a:t>(Demo</a:t>
             </a:r>
             <a:r>
-              <a:rPr lang="en-US" dirty="0">
+              <a:rPr lang="en-US" dirty="0" smtClean="0">
                 <a:solidFill>
                   <a:srgbClr val="3B7EA1"/>
                 </a:solidFill>
@@ -27925,7 +28031,7 @@
               <a:t> – Notebook 7.1, Estimating Median - Sample Median</a:t>
             </a:r>
             <a:r>
-              <a:rPr dirty="0">
+              <a:rPr dirty="0" smtClean="0">
                 <a:solidFill>
                   <a:srgbClr val="3B7EA1"/>
                 </a:solidFill>
